--- a/Diplomarbeit/doc/Präsentation2025_1.Zwischenpräsentation.pptx
+++ b/Diplomarbeit/doc/Präsentation2025_1.Zwischenpräsentation.pptx
@@ -241,7 +241,7 @@
             <a:fld id="{4597EA2D-D11E-4F11-940E-96FC3DC86B48}" type="datetimeFigureOut">
               <a:rPr lang="de-DE" smtClean="0"/>
               <a:pPr/>
-              <a:t>07.11.2025</a:t>
+              <a:t>11.11.2025</a:t>
             </a:fld>
             <a:endParaRPr lang="de-AT"/>
           </a:p>
@@ -408,7 +408,7 @@
             <a:fld id="{25FA59D5-1C02-4780-AF81-09ADAD492357}" type="datetimeFigureOut">
               <a:rPr lang="de-AT" smtClean="0"/>
               <a:pPr/>
-              <a:t>07.11.2025</a:t>
+              <a:t>11.11.2025</a:t>
             </a:fld>
             <a:endParaRPr lang="de-AT"/>
           </a:p>
@@ -915,7 +915,7 @@
           <a:p>
             <a:fld id="{903DBAB2-6CCA-40C7-8885-2C056A77E284}" type="datetime1">
               <a:rPr lang="de-AT" smtClean="0"/>
-              <a:t>07.11.2025</a:t>
+              <a:t>11.11.2025</a:t>
             </a:fld>
             <a:endParaRPr lang="de-AT"/>
           </a:p>
@@ -1229,7 +1229,7 @@
           <a:p>
             <a:fld id="{CFFB591F-AE7F-406B-977E-415D708CD05B}" type="datetime1">
               <a:rPr lang="de-AT" smtClean="0"/>
-              <a:t>07.11.2025</a:t>
+              <a:t>11.11.2025</a:t>
             </a:fld>
             <a:endParaRPr lang="de-AT"/>
           </a:p>
@@ -1668,7 +1668,7 @@
           <a:p>
             <a:fld id="{DDED4213-31A7-43A9-B381-650B72838F3D}" type="datetime1">
               <a:rPr lang="de-AT" smtClean="0"/>
-              <a:t>07.11.2025</a:t>
+              <a:t>11.11.2025</a:t>
             </a:fld>
             <a:endParaRPr lang="de-AT"/>
           </a:p>
@@ -2259,7 +2259,7 @@
           <a:p>
             <a:fld id="{73623C63-4118-48BA-956A-11DEEC1AA07D}" type="datetime1">
               <a:rPr lang="de-AT" smtClean="0"/>
-              <a:t>07.11.2025</a:t>
+              <a:t>11.11.2025</a:t>
             </a:fld>
             <a:endParaRPr lang="de-AT"/>
           </a:p>
@@ -2632,7 +2632,7 @@
           <a:p>
             <a:fld id="{03FB355E-663F-46F6-A58A-7E827B834F26}" type="datetime1">
               <a:rPr lang="de-AT" smtClean="0"/>
-              <a:t>07.11.2025</a:t>
+              <a:t>11.11.2025</a:t>
             </a:fld>
             <a:endParaRPr lang="de-AT"/>
           </a:p>
@@ -6586,7 +6586,7 @@
             </a:r>
             <a:r>
               <a:rPr lang="de-AT" dirty="0"/>
-              <a:t> Installation (15 Stunden)</a:t>
+              <a:t> Installation (20 Stunden)</a:t>
             </a:r>
           </a:p>
           <a:p>
@@ -6622,7 +6622,7 @@
           <a:p>
             <a:r>
               <a:rPr lang="de-AT" dirty="0"/>
-              <a:t>VPN-Verbindung (10 Stunden)</a:t>
+              <a:t>VPN-Verbindung (15 Stunden)</a:t>
             </a:r>
           </a:p>
           <a:p>
@@ -8206,21 +8206,6 @@
 </file>
 
 <file path=customXml/item1.xml><?xml version="1.0" encoding="utf-8"?>
-<?mso-contentType ?>
-<FormTemplates xmlns="http://schemas.microsoft.com/sharepoint/v3/contenttype/forms">
-  <Display>DocumentLibraryForm</Display>
-  <Edit>DocumentLibraryForm</Edit>
-  <New>DocumentLibraryForm</New>
-</FormTemplates>
-</file>
-
-<file path=customXml/item2.xml><?xml version="1.0" encoding="utf-8"?>
-<p:properties xmlns:p="http://schemas.microsoft.com/office/2006/metadata/properties" xmlns:xsi="http://www.w3.org/2001/XMLSchema-instance" xmlns:pc="http://schemas.microsoft.com/office/infopath/2007/PartnerControls">
-  <documentManagement/>
-</p:properties>
-</file>
-
-<file path=customXml/item3.xml><?xml version="1.0" encoding="utf-8"?>
 <ct:contentTypeSchema xmlns:ct="http://schemas.microsoft.com/office/2006/metadata/contentType" xmlns:ma="http://schemas.microsoft.com/office/2006/metadata/properties/metaAttributes" ct:_="" ma:_="" ma:contentTypeName="Dokument" ma:contentTypeID="0x010100B5F8F8BE0F772449AA3E28E2051A517F" ma:contentTypeVersion="0" ma:contentTypeDescription="Ein neues Dokument erstellen." ma:contentTypeScope="" ma:versionID="0d260f8c1711e932026baa77adf35126">
   <xsd:schema xmlns:xsd="http://www.w3.org/2001/XMLSchema" xmlns:xs="http://www.w3.org/2001/XMLSchema" xmlns:p="http://schemas.microsoft.com/office/2006/metadata/properties" targetNamespace="http://schemas.microsoft.com/office/2006/metadata/properties" ma:root="true" ma:fieldsID="10627edd4f09c1f414843cf0643fb7ba">
     <xsd:element name="properties">
@@ -8334,10 +8319,33 @@
 </ct:contentTypeSchema>
 </file>
 
+<file path=customXml/item2.xml><?xml version="1.0" encoding="utf-8"?>
+<p:properties xmlns:p="http://schemas.microsoft.com/office/2006/metadata/properties" xmlns:xsi="http://www.w3.org/2001/XMLSchema-instance" xmlns:pc="http://schemas.microsoft.com/office/infopath/2007/PartnerControls">
+  <documentManagement/>
+</p:properties>
+</file>
+
+<file path=customXml/item3.xml><?xml version="1.0" encoding="utf-8"?>
+<?mso-contentType ?>
+<FormTemplates xmlns="http://schemas.microsoft.com/sharepoint/v3/contenttype/forms">
+  <Display>DocumentLibraryForm</Display>
+  <Edit>DocumentLibraryForm</Edit>
+  <New>DocumentLibraryForm</New>
+</FormTemplates>
+</file>
+
 <file path=customXml/itemProps1.xml><?xml version="1.0" encoding="utf-8"?>
-<ds:datastoreItem xmlns:ds="http://schemas.openxmlformats.org/officeDocument/2006/customXml" ds:itemID="{A62B322D-2084-418A-8960-B074ADC5B6DB}">
+<ds:datastoreItem xmlns:ds="http://schemas.openxmlformats.org/officeDocument/2006/customXml" ds:itemID="{52C214F1-4297-4767-8275-0DA039616A9F}">
   <ds:schemaRefs>
-    <ds:schemaRef ds:uri="http://schemas.microsoft.com/sharepoint/v3/contenttype/forms"/>
+    <ds:schemaRef ds:uri="http://purl.org/dc/elements/1.1/"/>
+    <ds:schemaRef ds:uri="http://purl.org/dc/terms/"/>
+    <ds:schemaRef ds:uri="http://schemas.microsoft.com/internal/obd"/>
+    <ds:schemaRef ds:uri="http://schemas.microsoft.com/office/2006/metadata/contentType"/>
+    <ds:schemaRef ds:uri="http://schemas.microsoft.com/office/2006/metadata/properties"/>
+    <ds:schemaRef ds:uri="http://schemas.microsoft.com/office/2006/metadata/properties/metaAttributes"/>
+    <ds:schemaRef ds:uri="http://schemas.microsoft.com/office/infopath/2007/PartnerControls"/>
+    <ds:schemaRef ds:uri="http://schemas.openxmlformats.org/package/2006/metadata/core-properties"/>
+    <ds:schemaRef ds:uri="http://www.w3.org/2001/XMLSchema"/>
   </ds:schemaRefs>
 </ds:datastoreItem>
 </file>
@@ -8358,17 +8366,9 @@
 </file>
 
 <file path=customXml/itemProps3.xml><?xml version="1.0" encoding="utf-8"?>
-<ds:datastoreItem xmlns:ds="http://schemas.openxmlformats.org/officeDocument/2006/customXml" ds:itemID="{52C214F1-4297-4767-8275-0DA039616A9F}">
+<ds:datastoreItem xmlns:ds="http://schemas.openxmlformats.org/officeDocument/2006/customXml" ds:itemID="{A62B322D-2084-418A-8960-B074ADC5B6DB}">
   <ds:schemaRefs>
-    <ds:schemaRef ds:uri="http://purl.org/dc/elements/1.1/"/>
-    <ds:schemaRef ds:uri="http://purl.org/dc/terms/"/>
-    <ds:schemaRef ds:uri="http://schemas.microsoft.com/internal/obd"/>
-    <ds:schemaRef ds:uri="http://schemas.microsoft.com/office/2006/metadata/contentType"/>
-    <ds:schemaRef ds:uri="http://schemas.microsoft.com/office/2006/metadata/properties"/>
-    <ds:schemaRef ds:uri="http://schemas.microsoft.com/office/2006/metadata/properties/metaAttributes"/>
-    <ds:schemaRef ds:uri="http://schemas.microsoft.com/office/infopath/2007/PartnerControls"/>
-    <ds:schemaRef ds:uri="http://schemas.openxmlformats.org/package/2006/metadata/core-properties"/>
-    <ds:schemaRef ds:uri="http://www.w3.org/2001/XMLSchema"/>
+    <ds:schemaRef ds:uri="http://schemas.microsoft.com/sharepoint/v3/contenttype/forms"/>
   </ds:schemaRefs>
 </ds:datastoreItem>
 </file>